--- a/Folien - Trainerleitfaden/Einheit 15 JS.pptx
+++ b/Folien - Trainerleitfaden/Einheit 15 JS.pptx
@@ -268,7 +268,7 @@
               <a:rPr lang="de-AT" smtClean="0">
                 <a:latin typeface="Arial" panose="020B0604020202020204" pitchFamily="34" charset="0"/>
               </a:rPr>
-              <a:t>12.01.2021</a:t>
+              <a:t>18.05.2021</a:t>
             </a:fld>
             <a:endParaRPr lang="de-AT" dirty="0">
               <a:latin typeface="Arial" panose="020B0604020202020204" pitchFamily="34" charset="0"/>
@@ -5534,6 +5534,10 @@
           <a:bodyPr/>
           <a:lstStyle/>
           <a:p>
+            <a:pPr>
+              <a:buFont typeface="Arial" panose="020B0604020202020204" pitchFamily="34" charset="0"/>
+              <a:buChar char="•"/>
+            </a:pPr>
             <a:r>
               <a:rPr lang="de-AT" dirty="0"/>
               <a:t>Mit </a:t>
@@ -5609,6 +5613,10 @@
             </a:r>
           </a:p>
           <a:p>
+            <a:pPr>
+              <a:buFont typeface="Arial" panose="020B0604020202020204" pitchFamily="34" charset="0"/>
+              <a:buChar char="•"/>
+            </a:pPr>
             <a:r>
               <a:rPr lang="de-AT" dirty="0"/>
               <a:t>Ist ein Objekt, deshalb kann für Ausgabe von allen Elementen eine </a:t>
@@ -7764,13 +7772,20 @@
             </a:lvl9pPr>
           </a:lstStyle>
           <a:p>
+            <a:pPr>
+              <a:buFont typeface="Arial" panose="020B0604020202020204" pitchFamily="34" charset="0"/>
+              <a:buChar char="•"/>
+            </a:pPr>
             <a:r>
               <a:rPr lang="de-AT" dirty="0"/>
               <a:t>Anmerkung für Übung</a:t>
             </a:r>
           </a:p>
           <a:p>
-            <a:pPr lvl="1"/>
+            <a:pPr lvl="1">
+              <a:buFont typeface="Courier New" panose="02070309020205020404" pitchFamily="49" charset="0"/>
+              <a:buChar char="o"/>
+            </a:pPr>
             <a:r>
               <a:rPr lang="de-AT" dirty="0"/>
               <a:t>Wenn man bei </a:t>
@@ -10699,6 +10714,10 @@
             </a:lvl9pPr>
           </a:lstStyle>
           <a:p>
+            <a:pPr>
+              <a:buFont typeface="Arial" panose="020B0604020202020204" pitchFamily="34" charset="0"/>
+              <a:buChar char="•"/>
+            </a:pPr>
             <a:r>
               <a:rPr lang="de-AT" dirty="0"/>
               <a:t>Cookie in einer Funktion erstellen mit Ablaufdatum</a:t>
